--- a/Lectures/Week_4/CSE 599V Lecture 9 - Estimating Confidence in Models and Parameters- I .pptx
+++ b/Lectures/Week_4/CSE 599V Lecture 9 - Estimating Confidence in Models and Parameters- I .pptx
@@ -5,10 +5,10 @@
     <p:sldMasterId id="2147483648" r:id="rId1"/>
   </p:sldMasterIdLst>
   <p:notesMasterIdLst>
-    <p:notesMasterId r:id="rId22"/>
+    <p:notesMasterId r:id="rId21"/>
   </p:notesMasterIdLst>
   <p:handoutMasterIdLst>
-    <p:handoutMasterId r:id="rId23"/>
+    <p:handoutMasterId r:id="rId22"/>
   </p:handoutMasterIdLst>
   <p:sldIdLst>
     <p:sldId id="347" r:id="rId2"/>
@@ -29,8 +29,7 @@
     <p:sldId id="361" r:id="rId17"/>
     <p:sldId id="362" r:id="rId18"/>
     <p:sldId id="357" r:id="rId19"/>
-    <p:sldId id="372" r:id="rId20"/>
-    <p:sldId id="373" r:id="rId21"/>
+    <p:sldId id="373" r:id="rId20"/>
   </p:sldIdLst>
   <p:sldSz cx="9144000" cy="6858000" type="screen4x3"/>
   <p:notesSz cx="6858000" cy="9144000"/>
@@ -301,7 +300,7 @@
               <a:pPr>
                 <a:defRPr/>
               </a:pPr>
-              <a:t>10/18/18</a:t>
+              <a:t>10/24/18</a:t>
             </a:fld>
             <a:endParaRPr lang="en-US" altLang="x-none"/>
           </a:p>
@@ -510,7 +509,7 @@
               <a:pPr>
                 <a:defRPr/>
               </a:pPr>
-              <a:t>10/18/18</a:t>
+              <a:t>10/24/18</a:t>
             </a:fld>
             <a:endParaRPr lang="en-US" altLang="x-none"/>
           </a:p>
@@ -1081,96 +1080,6 @@
                 <a:defRPr/>
               </a:pPr>
               <a:t>19</a:t>
-            </a:fld>
-            <a:endParaRPr lang="en-US" altLang="x-none"/>
-          </a:p>
-        </p:txBody>
-      </p:sp>
-    </p:spTree>
-    <p:extLst>
-      <p:ext uri="{BB962C8B-B14F-4D97-AF65-F5344CB8AC3E}">
-        <p14:creationId xmlns:p14="http://schemas.microsoft.com/office/powerpoint/2010/main" val="1415611033"/>
-      </p:ext>
-    </p:extLst>
-  </p:cSld>
-  <p:clrMapOvr>
-    <a:masterClrMapping/>
-  </p:clrMapOvr>
-</p:notes>
-</file>
-
-<file path=ppt/notesSlides/notesSlide4.xml><?xml version="1.0" encoding="utf-8"?>
-<p:notes xmlns:a="http://schemas.openxmlformats.org/drawingml/2006/main" xmlns:r="http://schemas.openxmlformats.org/officeDocument/2006/relationships" xmlns:p="http://schemas.openxmlformats.org/presentationml/2006/main">
-  <p:cSld>
-    <p:spTree>
-      <p:nvGrpSpPr>
-        <p:cNvPr id="1" name=""/>
-        <p:cNvGrpSpPr/>
-        <p:nvPr/>
-      </p:nvGrpSpPr>
-      <p:grpSpPr>
-        <a:xfrm>
-          <a:off x="0" y="0"/>
-          <a:ext cx="0" cy="0"/>
-          <a:chOff x="0" y="0"/>
-          <a:chExt cx="0" cy="0"/>
-        </a:xfrm>
-      </p:grpSpPr>
-      <p:sp>
-        <p:nvSpPr>
-          <p:cNvPr id="2" name="Slide Image Placeholder 1"/>
-          <p:cNvSpPr>
-            <a:spLocks noGrp="1" noRot="1" noChangeAspect="1"/>
-          </p:cNvSpPr>
-          <p:nvPr>
-            <p:ph type="sldImg"/>
-          </p:nvPr>
-        </p:nvSpPr>
-        <p:spPr/>
-      </p:sp>
-      <p:sp>
-        <p:nvSpPr>
-          <p:cNvPr id="3" name="Notes Placeholder 2"/>
-          <p:cNvSpPr>
-            <a:spLocks noGrp="1"/>
-          </p:cNvSpPr>
-          <p:nvPr>
-            <p:ph type="body" idx="1"/>
-          </p:nvPr>
-        </p:nvSpPr>
-        <p:spPr/>
-        <p:txBody>
-          <a:bodyPr/>
-          <a:lstStyle/>
-          <a:p>
-            <a:endParaRPr lang="en-US"/>
-          </a:p>
-        </p:txBody>
-      </p:sp>
-      <p:sp>
-        <p:nvSpPr>
-          <p:cNvPr id="4" name="Slide Number Placeholder 3"/>
-          <p:cNvSpPr>
-            <a:spLocks noGrp="1"/>
-          </p:cNvSpPr>
-          <p:nvPr>
-            <p:ph type="sldNum" sz="quarter" idx="5"/>
-          </p:nvPr>
-        </p:nvSpPr>
-        <p:spPr/>
-        <p:txBody>
-          <a:bodyPr/>
-          <a:lstStyle/>
-          <a:p>
-            <a:pPr>
-              <a:defRPr/>
-            </a:pPr>
-            <a:fld id="{1E3608CA-DBCA-4E8F-8DAB-6E1AFAF19782}" type="slidenum">
-              <a:rPr lang="en-US" altLang="x-none" smtClean="0"/>
-              <a:pPr>
-                <a:defRPr/>
-              </a:pPr>
-              <a:t>20</a:t>
             </a:fld>
             <a:endParaRPr lang="en-US" altLang="x-none"/>
           </a:p>
@@ -9167,7 +9076,7 @@
                 <a:latin typeface="Courier New" panose="02070309020205020404" pitchFamily="49" charset="0"/>
                 <a:cs typeface="Courier New" panose="02070309020205020404" pitchFamily="49" charset="0"/>
               </a:rPr>
-              <a:t>, r2_score</a:t>
+              <a:t>, 	r2_score</a:t>
             </a:r>
           </a:p>
           <a:p>
@@ -11367,643 +11276,6 @@
           </a:p>
         </p:txBody>
       </p:sp>
-      <p:grpSp>
-        <p:nvGrpSpPr>
-          <p:cNvPr id="8" name="Group 7">
-            <a:extLst>
-              <a:ext uri="{FF2B5EF4-FFF2-40B4-BE49-F238E27FC236}">
-                <a16:creationId xmlns:a16="http://schemas.microsoft.com/office/drawing/2014/main" id="{DABEE2DC-95AA-2241-BDA5-2B10E87DC3D5}"/>
-              </a:ext>
-            </a:extLst>
-          </p:cNvPr>
-          <p:cNvGrpSpPr/>
-          <p:nvPr/>
-        </p:nvGrpSpPr>
-        <p:grpSpPr>
-          <a:xfrm>
-            <a:off x="3107635" y="3581400"/>
-            <a:ext cx="5105400" cy="4724400"/>
-            <a:chOff x="1524000" y="1447800"/>
-            <a:chExt cx="5105400" cy="4724400"/>
-          </a:xfrm>
-        </p:grpSpPr>
-        <p:pic>
-          <p:nvPicPr>
-            <p:cNvPr id="4" name="Picture 3">
-              <a:extLst>
-                <a:ext uri="{FF2B5EF4-FFF2-40B4-BE49-F238E27FC236}">
-                  <a16:creationId xmlns:a16="http://schemas.microsoft.com/office/drawing/2014/main" id="{46295B21-ABA3-3841-BAC3-FC0F1AAA9935}"/>
-                </a:ext>
-              </a:extLst>
-            </p:cNvPr>
-            <p:cNvPicPr>
-              <a:picLocks noChangeAspect="1"/>
-            </p:cNvPicPr>
-            <p:nvPr/>
-          </p:nvPicPr>
-          <p:blipFill>
-            <a:blip r:embed="rId3"/>
-            <a:stretch>
-              <a:fillRect/>
-            </a:stretch>
-          </p:blipFill>
-          <p:spPr>
-            <a:xfrm>
-              <a:off x="1905000" y="1447800"/>
-              <a:ext cx="4533900" cy="4495800"/>
-            </a:xfrm>
-            <a:prstGeom prst="rect">
-              <a:avLst/>
-            </a:prstGeom>
-          </p:spPr>
-        </p:pic>
-        <p:sp>
-          <p:nvSpPr>
-            <p:cNvPr id="7" name="Rectangle 6">
-              <a:extLst>
-                <a:ext uri="{FF2B5EF4-FFF2-40B4-BE49-F238E27FC236}">
-                  <a16:creationId xmlns:a16="http://schemas.microsoft.com/office/drawing/2014/main" id="{759AAF0C-49F6-DC4B-A667-72AEB75AD6E1}"/>
-                </a:ext>
-              </a:extLst>
-            </p:cNvPr>
-            <p:cNvSpPr/>
-            <p:nvPr/>
-          </p:nvSpPr>
-          <p:spPr>
-            <a:xfrm>
-              <a:off x="1524000" y="3657600"/>
-              <a:ext cx="5105400" cy="2514600"/>
-            </a:xfrm>
-            <a:prstGeom prst="rect">
-              <a:avLst/>
-            </a:prstGeom>
-            <a:solidFill>
-              <a:schemeClr val="bg1"/>
-            </a:solidFill>
-            <a:ln>
-              <a:noFill/>
-            </a:ln>
-            <a:effectLst/>
-          </p:spPr>
-          <p:style>
-            <a:lnRef idx="1">
-              <a:schemeClr val="accent1"/>
-            </a:lnRef>
-            <a:fillRef idx="3">
-              <a:schemeClr val="accent1"/>
-            </a:fillRef>
-            <a:effectRef idx="2">
-              <a:schemeClr val="accent1"/>
-            </a:effectRef>
-            <a:fontRef idx="minor">
-              <a:schemeClr val="lt1"/>
-            </a:fontRef>
-          </p:style>
-          <p:txBody>
-            <a:bodyPr rtlCol="0" anchor="ctr"/>
-            <a:lstStyle/>
-            <a:p>
-              <a:pPr algn="ctr"/>
-              <a:endParaRPr lang="en-US"/>
-            </a:p>
-          </p:txBody>
-        </p:sp>
-      </p:grpSp>
-      <p:grpSp>
-        <p:nvGrpSpPr>
-          <p:cNvPr id="16" name="Group 15">
-            <a:extLst>
-              <a:ext uri="{FF2B5EF4-FFF2-40B4-BE49-F238E27FC236}">
-                <a16:creationId xmlns:a16="http://schemas.microsoft.com/office/drawing/2014/main" id="{BFA5F990-7017-9844-824A-C3C5CA948DCA}"/>
-              </a:ext>
-            </a:extLst>
-          </p:cNvPr>
-          <p:cNvGrpSpPr/>
-          <p:nvPr/>
-        </p:nvGrpSpPr>
-        <p:grpSpPr>
-          <a:xfrm>
-            <a:off x="-838200" y="838201"/>
-            <a:ext cx="4724400" cy="5105400"/>
-            <a:chOff x="-838200" y="838201"/>
-            <a:chExt cx="4724400" cy="5105400"/>
-          </a:xfrm>
-        </p:grpSpPr>
-        <p:pic>
-          <p:nvPicPr>
-            <p:cNvPr id="13" name="Picture 12">
-              <a:extLst>
-                <a:ext uri="{FF2B5EF4-FFF2-40B4-BE49-F238E27FC236}">
-                  <a16:creationId xmlns:a16="http://schemas.microsoft.com/office/drawing/2014/main" id="{91161A1F-FFC6-3141-B936-7F147E5680CD}"/>
-                </a:ext>
-              </a:extLst>
-            </p:cNvPr>
-            <p:cNvPicPr>
-              <a:picLocks noChangeAspect="1"/>
-            </p:cNvPicPr>
-            <p:nvPr/>
-          </p:nvPicPr>
-          <p:blipFill>
-            <a:blip r:embed="rId3"/>
-            <a:stretch>
-              <a:fillRect/>
-            </a:stretch>
-          </p:blipFill>
-          <p:spPr>
-            <a:xfrm rot="5400000">
-              <a:off x="-628650" y="1238251"/>
-              <a:ext cx="4533900" cy="4495800"/>
-            </a:xfrm>
-            <a:prstGeom prst="rect">
-              <a:avLst/>
-            </a:prstGeom>
-          </p:spPr>
-        </p:pic>
-        <p:sp>
-          <p:nvSpPr>
-            <p:cNvPr id="14" name="Rectangle 13">
-              <a:extLst>
-                <a:ext uri="{FF2B5EF4-FFF2-40B4-BE49-F238E27FC236}">
-                  <a16:creationId xmlns:a16="http://schemas.microsoft.com/office/drawing/2014/main" id="{5558E0FE-8986-E142-9A12-AA9866CF07AE}"/>
-                </a:ext>
-              </a:extLst>
-            </p:cNvPr>
-            <p:cNvSpPr/>
-            <p:nvPr/>
-          </p:nvSpPr>
-          <p:spPr>
-            <a:xfrm rot="5400000">
-              <a:off x="-2133600" y="2133601"/>
-              <a:ext cx="5105400" cy="2514600"/>
-            </a:xfrm>
-            <a:prstGeom prst="rect">
-              <a:avLst/>
-            </a:prstGeom>
-            <a:solidFill>
-              <a:schemeClr val="bg1"/>
-            </a:solidFill>
-            <a:ln>
-              <a:noFill/>
-            </a:ln>
-            <a:effectLst/>
-          </p:spPr>
-          <p:style>
-            <a:lnRef idx="1">
-              <a:schemeClr val="accent1"/>
-            </a:lnRef>
-            <a:fillRef idx="3">
-              <a:schemeClr val="accent1"/>
-            </a:fillRef>
-            <a:effectRef idx="2">
-              <a:schemeClr val="accent1"/>
-            </a:effectRef>
-            <a:fontRef idx="minor">
-              <a:schemeClr val="lt1"/>
-            </a:fontRef>
-          </p:style>
-          <p:txBody>
-            <a:bodyPr rtlCol="0" anchor="ctr"/>
-            <a:lstStyle/>
-            <a:p>
-              <a:pPr algn="ctr"/>
-              <a:endParaRPr lang="en-US"/>
-            </a:p>
-          </p:txBody>
-        </p:sp>
-      </p:grpSp>
-      <p:sp>
-        <p:nvSpPr>
-          <p:cNvPr id="15" name="Rectangle 14">
-            <a:extLst>
-              <a:ext uri="{FF2B5EF4-FFF2-40B4-BE49-F238E27FC236}">
-                <a16:creationId xmlns:a16="http://schemas.microsoft.com/office/drawing/2014/main" id="{41B0C4A5-F484-454D-A332-DC2C6DC2D424}"/>
-              </a:ext>
-            </a:extLst>
-          </p:cNvPr>
-          <p:cNvSpPr/>
-          <p:nvPr/>
-        </p:nvSpPr>
-        <p:spPr>
-          <a:xfrm rot="5400000">
-            <a:off x="7009571" y="4055097"/>
-            <a:ext cx="2787926" cy="1100759"/>
-          </a:xfrm>
-          <a:prstGeom prst="rect">
-            <a:avLst/>
-          </a:prstGeom>
-          <a:solidFill>
-            <a:schemeClr val="bg1"/>
-          </a:solidFill>
-          <a:ln>
-            <a:noFill/>
-          </a:ln>
-          <a:effectLst/>
-        </p:spPr>
-        <p:style>
-          <a:lnRef idx="1">
-            <a:schemeClr val="accent1"/>
-          </a:lnRef>
-          <a:fillRef idx="3">
-            <a:schemeClr val="accent1"/>
-          </a:fillRef>
-          <a:effectRef idx="2">
-            <a:schemeClr val="accent1"/>
-          </a:effectRef>
-          <a:fontRef idx="minor">
-            <a:schemeClr val="lt1"/>
-          </a:fontRef>
-        </p:style>
-        <p:txBody>
-          <a:bodyPr rtlCol="0" anchor="ctr"/>
-          <a:lstStyle/>
-          <a:p>
-            <a:pPr algn="ctr"/>
-            <a:endParaRPr lang="en-US"/>
-          </a:p>
-        </p:txBody>
-      </p:sp>
-      <p:sp>
-        <p:nvSpPr>
-          <p:cNvPr id="17" name="Rectangle 16">
-            <a:extLst>
-              <a:ext uri="{FF2B5EF4-FFF2-40B4-BE49-F238E27FC236}">
-                <a16:creationId xmlns:a16="http://schemas.microsoft.com/office/drawing/2014/main" id="{D8C37CF8-6731-7F41-B742-0EC967627297}"/>
-              </a:ext>
-            </a:extLst>
-          </p:cNvPr>
-          <p:cNvSpPr/>
-          <p:nvPr/>
-        </p:nvSpPr>
-        <p:spPr>
-          <a:xfrm rot="5400000">
-            <a:off x="5915024" y="3035992"/>
-            <a:ext cx="2787926" cy="1427094"/>
-          </a:xfrm>
-          <a:prstGeom prst="rect">
-            <a:avLst/>
-          </a:prstGeom>
-          <a:solidFill>
-            <a:schemeClr val="bg1"/>
-          </a:solidFill>
-          <a:ln>
-            <a:noFill/>
-          </a:ln>
-          <a:effectLst/>
-        </p:spPr>
-        <p:style>
-          <a:lnRef idx="1">
-            <a:schemeClr val="accent1"/>
-          </a:lnRef>
-          <a:fillRef idx="3">
-            <a:schemeClr val="accent1"/>
-          </a:fillRef>
-          <a:effectRef idx="2">
-            <a:schemeClr val="accent1"/>
-          </a:effectRef>
-          <a:fontRef idx="minor">
-            <a:schemeClr val="lt1"/>
-          </a:fontRef>
-        </p:style>
-        <p:txBody>
-          <a:bodyPr rtlCol="0" anchor="ctr"/>
-          <a:lstStyle/>
-          <a:p>
-            <a:pPr algn="ctr"/>
-            <a:endParaRPr lang="en-US"/>
-          </a:p>
-        </p:txBody>
-      </p:sp>
-      <p:sp>
-        <p:nvSpPr>
-          <p:cNvPr id="18" name="Rectangle 17">
-            <a:extLst>
-              <a:ext uri="{FF2B5EF4-FFF2-40B4-BE49-F238E27FC236}">
-                <a16:creationId xmlns:a16="http://schemas.microsoft.com/office/drawing/2014/main" id="{6A36A509-A693-AB45-9C8D-9F971E19E9B7}"/>
-              </a:ext>
-            </a:extLst>
-          </p:cNvPr>
-          <p:cNvSpPr/>
-          <p:nvPr/>
-        </p:nvSpPr>
-        <p:spPr>
-          <a:xfrm rot="5400000">
-            <a:off x="3668366" y="3935068"/>
-            <a:ext cx="1028701" cy="1388165"/>
-          </a:xfrm>
-          <a:prstGeom prst="rect">
-            <a:avLst/>
-          </a:prstGeom>
-          <a:solidFill>
-            <a:schemeClr val="bg1"/>
-          </a:solidFill>
-          <a:ln>
-            <a:noFill/>
-          </a:ln>
-          <a:effectLst/>
-        </p:spPr>
-        <p:style>
-          <a:lnRef idx="1">
-            <a:schemeClr val="accent1"/>
-          </a:lnRef>
-          <a:fillRef idx="3">
-            <a:schemeClr val="accent1"/>
-          </a:fillRef>
-          <a:effectRef idx="2">
-            <a:schemeClr val="accent1"/>
-          </a:effectRef>
-          <a:fontRef idx="minor">
-            <a:schemeClr val="lt1"/>
-          </a:fontRef>
-        </p:style>
-        <p:txBody>
-          <a:bodyPr rtlCol="0" anchor="ctr"/>
-          <a:lstStyle/>
-          <a:p>
-            <a:pPr algn="ctr"/>
-            <a:endParaRPr lang="en-US"/>
-          </a:p>
-        </p:txBody>
-      </p:sp>
-      <p:sp>
-        <p:nvSpPr>
-          <p:cNvPr id="19" name="Rectangle 18">
-            <a:extLst>
-              <a:ext uri="{FF2B5EF4-FFF2-40B4-BE49-F238E27FC236}">
-                <a16:creationId xmlns:a16="http://schemas.microsoft.com/office/drawing/2014/main" id="{11CFE932-7D93-2F4B-A8E6-3DA2DB5256D3}"/>
-              </a:ext>
-            </a:extLst>
-          </p:cNvPr>
-          <p:cNvSpPr/>
-          <p:nvPr/>
-        </p:nvSpPr>
-        <p:spPr>
-          <a:xfrm rot="5400000">
-            <a:off x="4495798" y="3962402"/>
-            <a:ext cx="609602" cy="609600"/>
-          </a:xfrm>
-          <a:prstGeom prst="rect">
-            <a:avLst/>
-          </a:prstGeom>
-          <a:solidFill>
-            <a:schemeClr val="bg1"/>
-          </a:solidFill>
-          <a:ln>
-            <a:noFill/>
-          </a:ln>
-          <a:effectLst/>
-        </p:spPr>
-        <p:style>
-          <a:lnRef idx="1">
-            <a:schemeClr val="accent1"/>
-          </a:lnRef>
-          <a:fillRef idx="3">
-            <a:schemeClr val="accent1"/>
-          </a:fillRef>
-          <a:effectRef idx="2">
-            <a:schemeClr val="accent1"/>
-          </a:effectRef>
-          <a:fontRef idx="minor">
-            <a:schemeClr val="lt1"/>
-          </a:fontRef>
-        </p:style>
-        <p:txBody>
-          <a:bodyPr rtlCol="0" anchor="ctr"/>
-          <a:lstStyle/>
-          <a:p>
-            <a:pPr algn="ctr"/>
-            <a:endParaRPr lang="en-US"/>
-          </a:p>
-        </p:txBody>
-      </p:sp>
-    </p:spTree>
-    <p:extLst>
-      <p:ext uri="{BB962C8B-B14F-4D97-AF65-F5344CB8AC3E}">
-        <p14:creationId xmlns:p14="http://schemas.microsoft.com/office/powerpoint/2010/main" val="336960295"/>
-      </p:ext>
-    </p:extLst>
-  </p:cSld>
-  <p:clrMapOvr>
-    <a:masterClrMapping/>
-  </p:clrMapOvr>
-</p:sld>
-</file>
-
-<file path=ppt/slides/slide2.xml><?xml version="1.0" encoding="utf-8"?>
-<p:sld xmlns:a="http://schemas.openxmlformats.org/drawingml/2006/main" xmlns:r="http://schemas.openxmlformats.org/officeDocument/2006/relationships" xmlns:p="http://schemas.openxmlformats.org/presentationml/2006/main">
-  <p:cSld>
-    <p:spTree>
-      <p:nvGrpSpPr>
-        <p:cNvPr id="1" name=""/>
-        <p:cNvGrpSpPr/>
-        <p:nvPr/>
-      </p:nvGrpSpPr>
-      <p:grpSpPr>
-        <a:xfrm>
-          <a:off x="0" y="0"/>
-          <a:ext cx="0" cy="0"/>
-          <a:chOff x="0" y="0"/>
-          <a:chExt cx="0" cy="0"/>
-        </a:xfrm>
-      </p:grpSpPr>
-      <p:sp>
-        <p:nvSpPr>
-          <p:cNvPr id="2" name="Title 1">
-            <a:extLst>
-              <a:ext uri="{FF2B5EF4-FFF2-40B4-BE49-F238E27FC236}">
-                <a16:creationId xmlns:a16="http://schemas.microsoft.com/office/drawing/2014/main" id="{A743A053-4CA2-EA40-8CF8-FC6BAB0779E8}"/>
-              </a:ext>
-            </a:extLst>
-          </p:cNvPr>
-          <p:cNvSpPr>
-            <a:spLocks noGrp="1"/>
-          </p:cNvSpPr>
-          <p:nvPr>
-            <p:ph type="title"/>
-          </p:nvPr>
-        </p:nvSpPr>
-        <p:spPr/>
-        <p:txBody>
-          <a:bodyPr/>
-          <a:lstStyle/>
-          <a:p>
-            <a:r>
-              <a:rPr lang="en-US" dirty="0"/>
-              <a:t>Agenda</a:t>
-            </a:r>
-          </a:p>
-        </p:txBody>
-      </p:sp>
-      <p:sp>
-        <p:nvSpPr>
-          <p:cNvPr id="3" name="Content Placeholder 2">
-            <a:extLst>
-              <a:ext uri="{FF2B5EF4-FFF2-40B4-BE49-F238E27FC236}">
-                <a16:creationId xmlns:a16="http://schemas.microsoft.com/office/drawing/2014/main" id="{1ABA89B4-DF53-4146-AC35-60B9BC7CC990}"/>
-              </a:ext>
-            </a:extLst>
-          </p:cNvPr>
-          <p:cNvSpPr>
-            <a:spLocks noGrp="1"/>
-          </p:cNvSpPr>
-          <p:nvPr>
-            <p:ph idx="1"/>
-          </p:nvPr>
-        </p:nvSpPr>
-        <p:spPr/>
-        <p:txBody>
-          <a:bodyPr/>
-          <a:lstStyle/>
-          <a:p>
-            <a:r>
-              <a:rPr lang="en-US" dirty="0"/>
-              <a:t>Residual analysis</a:t>
-            </a:r>
-          </a:p>
-          <a:p>
-            <a:r>
-              <a:rPr lang="en-US" dirty="0"/>
-              <a:t>Parameter fitting and evaluation of a mathematical model using least squares regression</a:t>
-            </a:r>
-          </a:p>
-          <a:p>
-            <a:r>
-              <a:rPr lang="en-US" dirty="0"/>
-              <a:t>Hypothesis testing to evaluate models</a:t>
-            </a:r>
-          </a:p>
-          <a:p>
-            <a:endParaRPr lang="en-US" dirty="0"/>
-          </a:p>
-        </p:txBody>
-      </p:sp>
-      <p:sp>
-        <p:nvSpPr>
-          <p:cNvPr id="4" name="Slide Number Placeholder 3">
-            <a:extLst>
-              <a:ext uri="{FF2B5EF4-FFF2-40B4-BE49-F238E27FC236}">
-                <a16:creationId xmlns:a16="http://schemas.microsoft.com/office/drawing/2014/main" id="{E89C5C88-FE61-4343-A938-F7CE631D1155}"/>
-              </a:ext>
-            </a:extLst>
-          </p:cNvPr>
-          <p:cNvSpPr>
-            <a:spLocks noGrp="1"/>
-          </p:cNvSpPr>
-          <p:nvPr>
-            <p:ph type="sldNum" sz="quarter" idx="11"/>
-          </p:nvPr>
-        </p:nvSpPr>
-        <p:spPr/>
-        <p:txBody>
-          <a:bodyPr/>
-          <a:lstStyle/>
-          <a:p>
-            <a:pPr>
-              <a:defRPr/>
-            </a:pPr>
-            <a:fld id="{3EF4E9CC-9D91-476E-91FD-5BEEC1642931}" type="slidenum">
-              <a:rPr lang="en-US" altLang="x-none" smtClean="0"/>
-              <a:pPr>
-                <a:defRPr/>
-              </a:pPr>
-              <a:t>2</a:t>
-            </a:fld>
-            <a:endParaRPr lang="en-US" altLang="x-none"/>
-          </a:p>
-        </p:txBody>
-      </p:sp>
-    </p:spTree>
-    <p:extLst>
-      <p:ext uri="{BB962C8B-B14F-4D97-AF65-F5344CB8AC3E}">
-        <p14:creationId xmlns:p14="http://schemas.microsoft.com/office/powerpoint/2010/main" val="1305605163"/>
-      </p:ext>
-    </p:extLst>
-  </p:cSld>
-  <p:clrMapOvr>
-    <a:masterClrMapping/>
-  </p:clrMapOvr>
-</p:sld>
-</file>
-
-<file path=ppt/slides/slide20.xml><?xml version="1.0" encoding="utf-8"?>
-<p:sld xmlns:a="http://schemas.openxmlformats.org/drawingml/2006/main" xmlns:r="http://schemas.openxmlformats.org/officeDocument/2006/relationships" xmlns:p="http://schemas.openxmlformats.org/presentationml/2006/main">
-  <p:cSld>
-    <p:spTree>
-      <p:nvGrpSpPr>
-        <p:cNvPr id="1" name=""/>
-        <p:cNvGrpSpPr/>
-        <p:nvPr/>
-      </p:nvGrpSpPr>
-      <p:grpSpPr>
-        <a:xfrm>
-          <a:off x="0" y="0"/>
-          <a:ext cx="0" cy="0"/>
-          <a:chOff x="0" y="0"/>
-          <a:chExt cx="0" cy="0"/>
-        </a:xfrm>
-      </p:grpSpPr>
-      <p:sp>
-        <p:nvSpPr>
-          <p:cNvPr id="2" name="Title 1">
-            <a:extLst>
-              <a:ext uri="{FF2B5EF4-FFF2-40B4-BE49-F238E27FC236}">
-                <a16:creationId xmlns:a16="http://schemas.microsoft.com/office/drawing/2014/main" id="{2BDA36A0-EEE2-CF40-9215-649E018F0AFE}"/>
-              </a:ext>
-            </a:extLst>
-          </p:cNvPr>
-          <p:cNvSpPr>
-            <a:spLocks noGrp="1"/>
-          </p:cNvSpPr>
-          <p:nvPr>
-            <p:ph type="title"/>
-          </p:nvPr>
-        </p:nvSpPr>
-        <p:spPr/>
-        <p:txBody>
-          <a:bodyPr/>
-          <a:lstStyle/>
-          <a:p>
-            <a:r>
-              <a:rPr lang="en-US" dirty="0"/>
-              <a:t>The Multiple Hypothesis Problem</a:t>
-            </a:r>
-          </a:p>
-        </p:txBody>
-      </p:sp>
-      <p:sp>
-        <p:nvSpPr>
-          <p:cNvPr id="3" name="Slide Number Placeholder 2">
-            <a:extLst>
-              <a:ext uri="{FF2B5EF4-FFF2-40B4-BE49-F238E27FC236}">
-                <a16:creationId xmlns:a16="http://schemas.microsoft.com/office/drawing/2014/main" id="{8320C495-989D-E14B-8688-C5FE4D226837}"/>
-              </a:ext>
-            </a:extLst>
-          </p:cNvPr>
-          <p:cNvSpPr>
-            <a:spLocks noGrp="1"/>
-          </p:cNvSpPr>
-          <p:nvPr>
-            <p:ph type="sldNum" sz="quarter" idx="11"/>
-          </p:nvPr>
-        </p:nvSpPr>
-        <p:spPr/>
-        <p:txBody>
-          <a:bodyPr/>
-          <a:lstStyle/>
-          <a:p>
-            <a:pPr>
-              <a:defRPr/>
-            </a:pPr>
-            <a:fld id="{2E4304A7-0FB2-4094-BC1E-DB17183AD0C1}" type="slidenum">
-              <a:rPr lang="en-US" altLang="x-none" smtClean="0"/>
-              <a:pPr>
-                <a:defRPr/>
-              </a:pPr>
-              <a:t>20</a:t>
-            </a:fld>
-            <a:endParaRPr lang="en-US" altLang="x-none"/>
-          </a:p>
-        </p:txBody>
-      </p:sp>
       <p:pic>
         <p:nvPicPr>
           <p:cNvPr id="6" name="Picture 5">
@@ -12064,8 +11336,8 @@
           </a:prstGeom>
         </p:spPr>
       </p:pic>
-      <mc:AlternateContent xmlns:mc="http://schemas.openxmlformats.org/markup-compatibility/2006">
-        <mc:Choice xmlns:a14="http://schemas.microsoft.com/office/drawing/2010/main" Requires="a14">
+      <mc:AlternateContent xmlns:mc="http://schemas.openxmlformats.org/markup-compatibility/2006" xmlns:a14="http://schemas.microsoft.com/office/drawing/2010/main">
+        <mc:Choice Requires="a14">
           <p:sp>
             <p:nvSpPr>
               <p:cNvPr id="9" name="TextBox 8">
@@ -12177,7 +11449,7 @@
             </p:txBody>
           </p:sp>
         </mc:Choice>
-        <mc:Fallback>
+        <mc:Fallback xmlns="">
           <p:sp>
             <p:nvSpPr>
               <p:cNvPr id="9" name="TextBox 8">
@@ -12222,8 +11494,8 @@
           </p:sp>
         </mc:Fallback>
       </mc:AlternateContent>
-      <mc:AlternateContent xmlns:mc="http://schemas.openxmlformats.org/markup-compatibility/2006">
-        <mc:Choice xmlns:a14="http://schemas.microsoft.com/office/drawing/2010/main" Requires="a14">
+      <mc:AlternateContent xmlns:mc="http://schemas.openxmlformats.org/markup-compatibility/2006" xmlns:a14="http://schemas.microsoft.com/office/drawing/2010/main">
+        <mc:Choice Requires="a14">
           <p:sp>
             <p:nvSpPr>
               <p:cNvPr id="10" name="TextBox 9">
@@ -12252,6 +11524,7 @@
               </a:bodyPr>
               <a:lstStyle/>
               <a:p>
+                <a:pPr/>
                 <a14:m>
                   <m:oMathPara xmlns:m="http://schemas.openxmlformats.org/officeDocument/2006/math">
                     <m:oMathParaPr>
@@ -12303,7 +11576,7 @@
             </p:txBody>
           </p:sp>
         </mc:Choice>
-        <mc:Fallback>
+        <mc:Fallback xmlns="">
           <p:sp>
             <p:nvSpPr>
               <p:cNvPr id="10" name="TextBox 9">
@@ -12348,8 +11621,8 @@
           </p:sp>
         </mc:Fallback>
       </mc:AlternateContent>
-      <mc:AlternateContent xmlns:mc="http://schemas.openxmlformats.org/markup-compatibility/2006">
-        <mc:Choice xmlns:a14="http://schemas.microsoft.com/office/drawing/2010/main" Requires="a14">
+      <mc:AlternateContent xmlns:mc="http://schemas.openxmlformats.org/markup-compatibility/2006" xmlns:a14="http://schemas.microsoft.com/office/drawing/2010/main">
+        <mc:Choice Requires="a14">
           <p:sp>
             <p:nvSpPr>
               <p:cNvPr id="21" name="TextBox 20">
@@ -12378,6 +11651,7 @@
               </a:bodyPr>
               <a:lstStyle/>
               <a:p>
+                <a:pPr/>
                 <a14:m>
                   <m:oMathPara xmlns:m="http://schemas.openxmlformats.org/officeDocument/2006/math">
                     <m:oMathParaPr>
@@ -12429,7 +11703,7 @@
             </p:txBody>
           </p:sp>
         </mc:Choice>
-        <mc:Fallback>
+        <mc:Fallback xmlns="">
           <p:sp>
             <p:nvSpPr>
               <p:cNvPr id="21" name="TextBox 20">
@@ -12646,8 +11920,8 @@
           </a:fontRef>
         </p:style>
       </p:cxnSp>
-      <mc:AlternateContent xmlns:mc="http://schemas.openxmlformats.org/markup-compatibility/2006">
-        <mc:Choice xmlns:a14="http://schemas.microsoft.com/office/drawing/2010/main" Requires="a14">
+      <mc:AlternateContent xmlns:mc="http://schemas.openxmlformats.org/markup-compatibility/2006" xmlns:a14="http://schemas.microsoft.com/office/drawing/2010/main">
+        <mc:Choice Requires="a14">
           <p:sp>
             <p:nvSpPr>
               <p:cNvPr id="29" name="TextBox 28">
@@ -12916,7 +12190,7 @@
             </p:txBody>
           </p:sp>
         </mc:Choice>
-        <mc:Fallback>
+        <mc:Fallback xmlns="">
           <p:sp>
             <p:nvSpPr>
               <p:cNvPr id="29" name="TextBox 28">
@@ -13589,6 +12863,142 @@
       <p:bldP spid="21" grpId="0"/>
     </p:bldLst>
   </p:timing>
+</p:sld>
+</file>
+
+<file path=ppt/slides/slide2.xml><?xml version="1.0" encoding="utf-8"?>
+<p:sld xmlns:a="http://schemas.openxmlformats.org/drawingml/2006/main" xmlns:r="http://schemas.openxmlformats.org/officeDocument/2006/relationships" xmlns:p="http://schemas.openxmlformats.org/presentationml/2006/main">
+  <p:cSld>
+    <p:spTree>
+      <p:nvGrpSpPr>
+        <p:cNvPr id="1" name=""/>
+        <p:cNvGrpSpPr/>
+        <p:nvPr/>
+      </p:nvGrpSpPr>
+      <p:grpSpPr>
+        <a:xfrm>
+          <a:off x="0" y="0"/>
+          <a:ext cx="0" cy="0"/>
+          <a:chOff x="0" y="0"/>
+          <a:chExt cx="0" cy="0"/>
+        </a:xfrm>
+      </p:grpSpPr>
+      <p:sp>
+        <p:nvSpPr>
+          <p:cNvPr id="2" name="Title 1">
+            <a:extLst>
+              <a:ext uri="{FF2B5EF4-FFF2-40B4-BE49-F238E27FC236}">
+                <a16:creationId xmlns:a16="http://schemas.microsoft.com/office/drawing/2014/main" id="{A743A053-4CA2-EA40-8CF8-FC6BAB0779E8}"/>
+              </a:ext>
+            </a:extLst>
+          </p:cNvPr>
+          <p:cNvSpPr>
+            <a:spLocks noGrp="1"/>
+          </p:cNvSpPr>
+          <p:nvPr>
+            <p:ph type="title"/>
+          </p:nvPr>
+        </p:nvSpPr>
+        <p:spPr/>
+        <p:txBody>
+          <a:bodyPr/>
+          <a:lstStyle/>
+          <a:p>
+            <a:r>
+              <a:rPr lang="en-US" dirty="0"/>
+              <a:t>Agenda</a:t>
+            </a:r>
+          </a:p>
+        </p:txBody>
+      </p:sp>
+      <p:sp>
+        <p:nvSpPr>
+          <p:cNvPr id="3" name="Content Placeholder 2">
+            <a:extLst>
+              <a:ext uri="{FF2B5EF4-FFF2-40B4-BE49-F238E27FC236}">
+                <a16:creationId xmlns:a16="http://schemas.microsoft.com/office/drawing/2014/main" id="{1ABA89B4-DF53-4146-AC35-60B9BC7CC990}"/>
+              </a:ext>
+            </a:extLst>
+          </p:cNvPr>
+          <p:cNvSpPr>
+            <a:spLocks noGrp="1"/>
+          </p:cNvSpPr>
+          <p:nvPr>
+            <p:ph idx="1"/>
+          </p:nvPr>
+        </p:nvSpPr>
+        <p:spPr/>
+        <p:txBody>
+          <a:bodyPr/>
+          <a:lstStyle/>
+          <a:p>
+            <a:r>
+              <a:rPr lang="en-US" dirty="0"/>
+              <a:t>Residual analysis</a:t>
+            </a:r>
+          </a:p>
+          <a:p>
+            <a:r>
+              <a:rPr lang="en-US" dirty="0"/>
+              <a:t>Parameter fitting and evaluation of a mathematical model using least squares regression</a:t>
+            </a:r>
+          </a:p>
+          <a:p>
+            <a:r>
+              <a:rPr lang="en-US" dirty="0"/>
+              <a:t>Hypothesis testing to evaluate models</a:t>
+            </a:r>
+          </a:p>
+          <a:p>
+            <a:endParaRPr lang="en-US" dirty="0"/>
+          </a:p>
+        </p:txBody>
+      </p:sp>
+      <p:sp>
+        <p:nvSpPr>
+          <p:cNvPr id="4" name="Slide Number Placeholder 3">
+            <a:extLst>
+              <a:ext uri="{FF2B5EF4-FFF2-40B4-BE49-F238E27FC236}">
+                <a16:creationId xmlns:a16="http://schemas.microsoft.com/office/drawing/2014/main" id="{E89C5C88-FE61-4343-A938-F7CE631D1155}"/>
+              </a:ext>
+            </a:extLst>
+          </p:cNvPr>
+          <p:cNvSpPr>
+            <a:spLocks noGrp="1"/>
+          </p:cNvSpPr>
+          <p:nvPr>
+            <p:ph type="sldNum" sz="quarter" idx="11"/>
+          </p:nvPr>
+        </p:nvSpPr>
+        <p:spPr/>
+        <p:txBody>
+          <a:bodyPr/>
+          <a:lstStyle/>
+          <a:p>
+            <a:pPr>
+              <a:defRPr/>
+            </a:pPr>
+            <a:fld id="{3EF4E9CC-9D91-476E-91FD-5BEEC1642931}" type="slidenum">
+              <a:rPr lang="en-US" altLang="x-none" smtClean="0"/>
+              <a:pPr>
+                <a:defRPr/>
+              </a:pPr>
+              <a:t>2</a:t>
+            </a:fld>
+            <a:endParaRPr lang="en-US" altLang="x-none"/>
+          </a:p>
+        </p:txBody>
+      </p:sp>
+    </p:spTree>
+    <p:extLst>
+      <p:ext uri="{BB962C8B-B14F-4D97-AF65-F5344CB8AC3E}">
+        <p14:creationId xmlns:p14="http://schemas.microsoft.com/office/powerpoint/2010/main" val="1305605163"/>
+      </p:ext>
+    </p:extLst>
+  </p:cSld>
+  <p:clrMapOvr>
+    <a:masterClrMapping/>
+  </p:clrMapOvr>
 </p:sld>
 </file>
 

--- a/Lectures/Week_4/CSE 599V Lecture 9 - Estimating Confidence in Models and Parameters- I .pptx
+++ b/Lectures/Week_4/CSE 599V Lecture 9 - Estimating Confidence in Models and Parameters- I .pptx
@@ -5963,8 +5963,8 @@
           </p:sp>
         </mc:Fallback>
       </mc:AlternateContent>
-      <mc:AlternateContent xmlns:mc="http://schemas.openxmlformats.org/markup-compatibility/2006" xmlns:a14="http://schemas.microsoft.com/office/drawing/2010/main">
-        <mc:Choice Requires="a14">
+      <mc:AlternateContent xmlns:mc="http://schemas.openxmlformats.org/markup-compatibility/2006">
+        <mc:Choice xmlns:a14="http://schemas.microsoft.com/office/drawing/2010/main" Requires="a14">
           <p:sp>
             <p:nvSpPr>
               <p:cNvPr id="5" name="TextBox 4">
@@ -6108,7 +6108,7 @@
                         <a:rPr lang="en-US" sz="2400" b="0" i="1" smtClean="0">
                           <a:latin typeface="Cambria Math" panose="02040503050406030204" pitchFamily="18" charset="0"/>
                         </a:rPr>
-                        <m:t>𝐶</m:t>
+                        <m:t>𝐵</m:t>
                       </m:r>
                     </m:oMath>
                   </m:oMathPara>
@@ -6118,7 +6118,7 @@
             </p:txBody>
           </p:sp>
         </mc:Choice>
-        <mc:Fallback xmlns="">
+        <mc:Fallback>
           <p:sp>
             <p:nvSpPr>
               <p:cNvPr id="5" name="TextBox 4">
